--- a/BeatSlime design repo/비트슬라임 기획서 v0.3.pptx
+++ b/BeatSlime design repo/비트슬라임 기획서 v0.3.pptx
@@ -46,6 +46,7 @@
     <p:sldId id="324" r:id="rId40"/>
     <p:sldId id="288" r:id="rId41"/>
     <p:sldId id="286" r:id="rId42"/>
+    <p:sldId id="329" r:id="rId43"/>
   </p:sldIdLst>
   <p:sldSz cx="12192000" cy="6858000"/>
   <p:notesSz cx="6858000" cy="9144000"/>
@@ -56400,6 +56401,705 @@
       <p:transition spd="slow" advTm="14060"/>
     </mc:Fallback>
   </mc:AlternateContent>
+</p:sld>
+</file>
+
+<file path=ppt/slides/slide42.xml><?xml version="1.0" encoding="utf-8"?>
+<p:sld xmlns:a="http://schemas.openxmlformats.org/drawingml/2006/main" xmlns:r="http://schemas.openxmlformats.org/officeDocument/2006/relationships" xmlns:p="http://schemas.openxmlformats.org/presentationml/2006/main">
+  <p:cSld>
+    <p:spTree>
+      <p:nvGrpSpPr>
+        <p:cNvPr id="1" name=""/>
+        <p:cNvGrpSpPr/>
+        <p:nvPr/>
+      </p:nvGrpSpPr>
+      <p:grpSpPr>
+        <a:xfrm>
+          <a:off x="0" y="0"/>
+          <a:ext cx="0" cy="0"/>
+          <a:chOff x="0" y="0"/>
+          <a:chExt cx="0" cy="0"/>
+        </a:xfrm>
+      </p:grpSpPr>
+      <p:sp>
+        <p:nvSpPr>
+          <p:cNvPr id="4" name="TextBox 3">
+            <a:extLst>
+              <a:ext uri="{FF2B5EF4-FFF2-40B4-BE49-F238E27FC236}">
+                <a16:creationId xmlns:a16="http://schemas.microsoft.com/office/drawing/2014/main" id="{5B5435F6-6C4E-4172-BA4D-2921EED6C7C4}"/>
+              </a:ext>
+            </a:extLst>
+          </p:cNvPr>
+          <p:cNvSpPr txBox="1"/>
+          <p:nvPr/>
+        </p:nvSpPr>
+        <p:spPr>
+          <a:xfrm>
+            <a:off x="103132" y="0"/>
+            <a:ext cx="1511952" cy="769441"/>
+          </a:xfrm>
+          <a:prstGeom prst="rect">
+            <a:avLst/>
+          </a:prstGeom>
+          <a:noFill/>
+        </p:spPr>
+        <p:txBody>
+          <a:bodyPr wrap="none" rtlCol="0">
+            <a:spAutoFit/>
+          </a:bodyPr>
+          <a:lstStyle/>
+          <a:p>
+            <a:r>
+              <a:rPr lang="ko-KR" altLang="en-US" sz="4400" b="1" dirty="0">
+                <a:latin typeface="+mn-ea"/>
+              </a:rPr>
+              <a:t>맵 툴</a:t>
+            </a:r>
+          </a:p>
+        </p:txBody>
+      </p:sp>
+      <p:sp>
+        <p:nvSpPr>
+          <p:cNvPr id="6" name="Hexagon 5">
+            <a:extLst>
+              <a:ext uri="{FF2B5EF4-FFF2-40B4-BE49-F238E27FC236}">
+                <a16:creationId xmlns:a16="http://schemas.microsoft.com/office/drawing/2014/main" id="{762E37D7-A3FD-45F3-9AB1-4B68AA77BBCD}"/>
+              </a:ext>
+            </a:extLst>
+          </p:cNvPr>
+          <p:cNvSpPr/>
+          <p:nvPr/>
+        </p:nvSpPr>
+        <p:spPr>
+          <a:xfrm>
+            <a:off x="1746738" y="3880383"/>
+            <a:ext cx="1086998" cy="970069"/>
+          </a:xfrm>
+          <a:prstGeom prst="hexagon">
+            <a:avLst/>
+          </a:prstGeom>
+        </p:spPr>
+        <p:style>
+          <a:lnRef idx="2">
+            <a:schemeClr val="accent6"/>
+          </a:lnRef>
+          <a:fillRef idx="1">
+            <a:schemeClr val="lt1"/>
+          </a:fillRef>
+          <a:effectRef idx="0">
+            <a:schemeClr val="accent6"/>
+          </a:effectRef>
+          <a:fontRef idx="minor">
+            <a:schemeClr val="dk1"/>
+          </a:fontRef>
+        </p:style>
+        <p:txBody>
+          <a:bodyPr rtlCol="0" anchor="ctr"/>
+          <a:lstStyle/>
+          <a:p>
+            <a:pPr algn="ctr"/>
+            <a:endParaRPr lang="en-US"/>
+          </a:p>
+        </p:txBody>
+      </p:sp>
+      <p:sp>
+        <p:nvSpPr>
+          <p:cNvPr id="27" name="Hexagon 26">
+            <a:extLst>
+              <a:ext uri="{FF2B5EF4-FFF2-40B4-BE49-F238E27FC236}">
+                <a16:creationId xmlns:a16="http://schemas.microsoft.com/office/drawing/2014/main" id="{C692CE98-1ED3-459C-B899-362DD1004C2C}"/>
+              </a:ext>
+            </a:extLst>
+          </p:cNvPr>
+          <p:cNvSpPr/>
+          <p:nvPr/>
+        </p:nvSpPr>
+        <p:spPr>
+          <a:xfrm>
+            <a:off x="867506" y="3371900"/>
+            <a:ext cx="1086998" cy="970069"/>
+          </a:xfrm>
+          <a:prstGeom prst="hexagon">
+            <a:avLst/>
+          </a:prstGeom>
+        </p:spPr>
+        <p:style>
+          <a:lnRef idx="2">
+            <a:schemeClr val="accent6"/>
+          </a:lnRef>
+          <a:fillRef idx="1">
+            <a:schemeClr val="lt1"/>
+          </a:fillRef>
+          <a:effectRef idx="0">
+            <a:schemeClr val="accent6"/>
+          </a:effectRef>
+          <a:fontRef idx="minor">
+            <a:schemeClr val="dk1"/>
+          </a:fontRef>
+        </p:style>
+        <p:txBody>
+          <a:bodyPr rtlCol="0" anchor="ctr"/>
+          <a:lstStyle/>
+          <a:p>
+            <a:pPr algn="ctr"/>
+            <a:endParaRPr lang="en-US"/>
+          </a:p>
+        </p:txBody>
+      </p:sp>
+      <p:sp>
+        <p:nvSpPr>
+          <p:cNvPr id="30" name="Hexagon 29">
+            <a:extLst>
+              <a:ext uri="{FF2B5EF4-FFF2-40B4-BE49-F238E27FC236}">
+                <a16:creationId xmlns:a16="http://schemas.microsoft.com/office/drawing/2014/main" id="{928B7EDE-E57E-44F9-937D-28CF42B48C2B}"/>
+              </a:ext>
+            </a:extLst>
+          </p:cNvPr>
+          <p:cNvSpPr/>
+          <p:nvPr/>
+        </p:nvSpPr>
+        <p:spPr>
+          <a:xfrm>
+            <a:off x="1746738" y="2866334"/>
+            <a:ext cx="1086998" cy="970069"/>
+          </a:xfrm>
+          <a:prstGeom prst="hexagon">
+            <a:avLst/>
+          </a:prstGeom>
+        </p:spPr>
+        <p:style>
+          <a:lnRef idx="2">
+            <a:schemeClr val="accent6"/>
+          </a:lnRef>
+          <a:fillRef idx="1">
+            <a:schemeClr val="lt1"/>
+          </a:fillRef>
+          <a:effectRef idx="0">
+            <a:schemeClr val="accent6"/>
+          </a:effectRef>
+          <a:fontRef idx="minor">
+            <a:schemeClr val="dk1"/>
+          </a:fontRef>
+        </p:style>
+        <p:txBody>
+          <a:bodyPr rtlCol="0" anchor="ctr"/>
+          <a:lstStyle/>
+          <a:p>
+            <a:pPr algn="ctr"/>
+            <a:endParaRPr lang="en-US"/>
+          </a:p>
+        </p:txBody>
+      </p:sp>
+      <p:sp>
+        <p:nvSpPr>
+          <p:cNvPr id="32" name="Hexagon 31">
+            <a:extLst>
+              <a:ext uri="{FF2B5EF4-FFF2-40B4-BE49-F238E27FC236}">
+                <a16:creationId xmlns:a16="http://schemas.microsoft.com/office/drawing/2014/main" id="{AFCE5E50-BF53-4555-AC1A-3069070E279C}"/>
+              </a:ext>
+            </a:extLst>
+          </p:cNvPr>
+          <p:cNvSpPr/>
+          <p:nvPr/>
+        </p:nvSpPr>
+        <p:spPr>
+          <a:xfrm>
+            <a:off x="2624983" y="3368954"/>
+            <a:ext cx="1086998" cy="970069"/>
+          </a:xfrm>
+          <a:prstGeom prst="hexagon">
+            <a:avLst/>
+          </a:prstGeom>
+        </p:spPr>
+        <p:style>
+          <a:lnRef idx="2">
+            <a:schemeClr val="accent6"/>
+          </a:lnRef>
+          <a:fillRef idx="1">
+            <a:schemeClr val="lt1"/>
+          </a:fillRef>
+          <a:effectRef idx="0">
+            <a:schemeClr val="accent6"/>
+          </a:effectRef>
+          <a:fontRef idx="minor">
+            <a:schemeClr val="dk1"/>
+          </a:fontRef>
+        </p:style>
+        <p:txBody>
+          <a:bodyPr rtlCol="0" anchor="ctr"/>
+          <a:lstStyle/>
+          <a:p>
+            <a:pPr algn="ctr"/>
+            <a:endParaRPr lang="en-US"/>
+          </a:p>
+        </p:txBody>
+      </p:sp>
+      <p:sp>
+        <p:nvSpPr>
+          <p:cNvPr id="53" name="Hexagon 52">
+            <a:extLst>
+              <a:ext uri="{FF2B5EF4-FFF2-40B4-BE49-F238E27FC236}">
+                <a16:creationId xmlns:a16="http://schemas.microsoft.com/office/drawing/2014/main" id="{55E391C0-BA5E-48D1-8E9C-092C6B01C288}"/>
+              </a:ext>
+            </a:extLst>
+          </p:cNvPr>
+          <p:cNvSpPr/>
+          <p:nvPr/>
+        </p:nvSpPr>
+        <p:spPr>
+          <a:xfrm>
+            <a:off x="864315" y="2366629"/>
+            <a:ext cx="1086998" cy="970069"/>
+          </a:xfrm>
+          <a:prstGeom prst="hexagon">
+            <a:avLst/>
+          </a:prstGeom>
+        </p:spPr>
+        <p:style>
+          <a:lnRef idx="2">
+            <a:schemeClr val="accent6"/>
+          </a:lnRef>
+          <a:fillRef idx="1">
+            <a:schemeClr val="lt1"/>
+          </a:fillRef>
+          <a:effectRef idx="0">
+            <a:schemeClr val="accent6"/>
+          </a:effectRef>
+          <a:fontRef idx="minor">
+            <a:schemeClr val="dk1"/>
+          </a:fontRef>
+        </p:style>
+        <p:txBody>
+          <a:bodyPr rtlCol="0" anchor="ctr"/>
+          <a:lstStyle/>
+          <a:p>
+            <a:pPr algn="ctr"/>
+            <a:endParaRPr lang="en-US"/>
+          </a:p>
+        </p:txBody>
+      </p:sp>
+      <p:sp>
+        <p:nvSpPr>
+          <p:cNvPr id="55" name="Hexagon 54">
+            <a:extLst>
+              <a:ext uri="{FF2B5EF4-FFF2-40B4-BE49-F238E27FC236}">
+                <a16:creationId xmlns:a16="http://schemas.microsoft.com/office/drawing/2014/main" id="{8A1FDFDE-59CE-4A59-839E-F297A8DE7A24}"/>
+              </a:ext>
+            </a:extLst>
+          </p:cNvPr>
+          <p:cNvSpPr/>
+          <p:nvPr/>
+        </p:nvSpPr>
+        <p:spPr>
+          <a:xfrm>
+            <a:off x="2624983" y="2369438"/>
+            <a:ext cx="1086998" cy="970069"/>
+          </a:xfrm>
+          <a:prstGeom prst="hexagon">
+            <a:avLst/>
+          </a:prstGeom>
+        </p:spPr>
+        <p:style>
+          <a:lnRef idx="2">
+            <a:schemeClr val="accent6"/>
+          </a:lnRef>
+          <a:fillRef idx="1">
+            <a:schemeClr val="lt1"/>
+          </a:fillRef>
+          <a:effectRef idx="0">
+            <a:schemeClr val="accent6"/>
+          </a:effectRef>
+          <a:fontRef idx="minor">
+            <a:schemeClr val="dk1"/>
+          </a:fontRef>
+        </p:style>
+        <p:txBody>
+          <a:bodyPr rtlCol="0" anchor="ctr"/>
+          <a:lstStyle/>
+          <a:p>
+            <a:pPr algn="ctr"/>
+            <a:endParaRPr lang="en-US"/>
+          </a:p>
+        </p:txBody>
+      </p:sp>
+      <p:sp>
+        <p:nvSpPr>
+          <p:cNvPr id="58" name="Hexagon 57">
+            <a:extLst>
+              <a:ext uri="{FF2B5EF4-FFF2-40B4-BE49-F238E27FC236}">
+                <a16:creationId xmlns:a16="http://schemas.microsoft.com/office/drawing/2014/main" id="{CE4B38B9-91B4-4B7C-9547-474621C0FEAB}"/>
+              </a:ext>
+            </a:extLst>
+          </p:cNvPr>
+          <p:cNvSpPr/>
+          <p:nvPr/>
+        </p:nvSpPr>
+        <p:spPr>
+          <a:xfrm>
+            <a:off x="1743547" y="1859552"/>
+            <a:ext cx="1086998" cy="970069"/>
+          </a:xfrm>
+          <a:prstGeom prst="hexagon">
+            <a:avLst/>
+          </a:prstGeom>
+        </p:spPr>
+        <p:style>
+          <a:lnRef idx="2">
+            <a:schemeClr val="accent6"/>
+          </a:lnRef>
+          <a:fillRef idx="1">
+            <a:schemeClr val="lt1"/>
+          </a:fillRef>
+          <a:effectRef idx="0">
+            <a:schemeClr val="accent6"/>
+          </a:effectRef>
+          <a:fontRef idx="minor">
+            <a:schemeClr val="dk1"/>
+          </a:fontRef>
+        </p:style>
+        <p:txBody>
+          <a:bodyPr rtlCol="0" anchor="ctr"/>
+          <a:lstStyle/>
+          <a:p>
+            <a:pPr algn="ctr"/>
+            <a:endParaRPr lang="en-US"/>
+          </a:p>
+        </p:txBody>
+      </p:sp>
+      <p:sp>
+        <p:nvSpPr>
+          <p:cNvPr id="16" name="Chord 15">
+            <a:extLst>
+              <a:ext uri="{FF2B5EF4-FFF2-40B4-BE49-F238E27FC236}">
+                <a16:creationId xmlns:a16="http://schemas.microsoft.com/office/drawing/2014/main" id="{121A356A-1D65-4EE8-8523-4C6AA73B469C}"/>
+              </a:ext>
+            </a:extLst>
+          </p:cNvPr>
+          <p:cNvSpPr/>
+          <p:nvPr/>
+        </p:nvSpPr>
+        <p:spPr>
+          <a:xfrm rot="6730305">
+            <a:off x="1916705" y="2984207"/>
+            <a:ext cx="740684" cy="769140"/>
+          </a:xfrm>
+          <a:prstGeom prst="chord">
+            <a:avLst/>
+          </a:prstGeom>
+        </p:spPr>
+        <p:style>
+          <a:lnRef idx="2">
+            <a:schemeClr val="accent5"/>
+          </a:lnRef>
+          <a:fillRef idx="1">
+            <a:schemeClr val="lt1"/>
+          </a:fillRef>
+          <a:effectRef idx="0">
+            <a:schemeClr val="accent5"/>
+          </a:effectRef>
+          <a:fontRef idx="minor">
+            <a:schemeClr val="dk1"/>
+          </a:fontRef>
+        </p:style>
+        <p:txBody>
+          <a:bodyPr rtlCol="0" anchor="ctr"/>
+          <a:lstStyle/>
+          <a:p>
+            <a:pPr algn="ctr"/>
+            <a:endParaRPr lang="en-US"/>
+          </a:p>
+        </p:txBody>
+      </p:sp>
+      <p:sp>
+        <p:nvSpPr>
+          <p:cNvPr id="72" name="TextBox 71">
+            <a:extLst>
+              <a:ext uri="{FF2B5EF4-FFF2-40B4-BE49-F238E27FC236}">
+                <a16:creationId xmlns:a16="http://schemas.microsoft.com/office/drawing/2014/main" id="{FA53450D-4FEF-4D79-B046-358890C7CE2D}"/>
+              </a:ext>
+            </a:extLst>
+          </p:cNvPr>
+          <p:cNvSpPr txBox="1"/>
+          <p:nvPr/>
+        </p:nvSpPr>
+        <p:spPr>
+          <a:xfrm>
+            <a:off x="4272485" y="961145"/>
+            <a:ext cx="7232301" cy="5632311"/>
+          </a:xfrm>
+          <a:prstGeom prst="rect">
+            <a:avLst/>
+          </a:prstGeom>
+          <a:noFill/>
+        </p:spPr>
+        <p:txBody>
+          <a:bodyPr wrap="none" rtlCol="0">
+            <a:spAutoFit/>
+          </a:bodyPr>
+          <a:lstStyle/>
+          <a:p>
+            <a:r>
+              <a:rPr lang="ko-KR" altLang="en-US" dirty="0"/>
+              <a:t>게임 씬에서 </a:t>
+            </a:r>
+            <a:r>
+              <a:rPr lang="en-US" altLang="ko-KR" dirty="0"/>
+              <a:t>M </a:t>
+            </a:r>
+            <a:r>
+              <a:rPr lang="ko-KR" altLang="en-US" dirty="0"/>
+              <a:t>키를 눌러서 맵 툴 모드로 진입</a:t>
+            </a:r>
+            <a:endParaRPr lang="en-US" altLang="ko-KR" dirty="0"/>
+          </a:p>
+          <a:p>
+            <a:r>
+              <a:rPr lang="en-US" altLang="ko-KR" dirty="0"/>
+              <a:t>C, V : </a:t>
+            </a:r>
+            <a:r>
+              <a:rPr lang="ko-KR" altLang="en-US" dirty="0"/>
+              <a:t>타일 배치</a:t>
+            </a:r>
+            <a:r>
+              <a:rPr lang="en-US" altLang="ko-KR" dirty="0"/>
+              <a:t>, </a:t>
+            </a:r>
+            <a:r>
+              <a:rPr lang="ko-KR" altLang="en-US" dirty="0"/>
+              <a:t>장식 배치 모드로 변경</a:t>
+            </a:r>
+            <a:endParaRPr lang="en-US" altLang="ko-KR" dirty="0"/>
+          </a:p>
+          <a:p>
+            <a:r>
+              <a:rPr lang="en-US" altLang="ko-KR" dirty="0"/>
+              <a:t>&lt;, &gt; : </a:t>
+            </a:r>
+            <a:r>
+              <a:rPr lang="ko-KR" altLang="en-US" dirty="0"/>
+              <a:t>카메라 위치를 플레이어에 가깝게</a:t>
+            </a:r>
+            <a:r>
+              <a:rPr lang="en-US" altLang="ko-KR" dirty="0"/>
+              <a:t>/</a:t>
+            </a:r>
+            <a:r>
+              <a:rPr lang="ko-KR" altLang="en-US" dirty="0"/>
+              <a:t>멀게 설정</a:t>
+            </a:r>
+            <a:endParaRPr lang="en-US" altLang="ko-KR" dirty="0"/>
+          </a:p>
+          <a:p>
+            <a:endParaRPr lang="en-US" altLang="ko-KR" dirty="0"/>
+          </a:p>
+          <a:p>
+            <a:r>
+              <a:rPr lang="ko-KR" altLang="en-US" dirty="0"/>
+              <a:t>타일 배치</a:t>
+            </a:r>
+            <a:endParaRPr lang="en-US" altLang="ko-KR" dirty="0"/>
+          </a:p>
+          <a:p>
+            <a:r>
+              <a:rPr lang="en-US" altLang="ko-KR" dirty="0"/>
+              <a:t>+ , - : </a:t>
+            </a:r>
+            <a:r>
+              <a:rPr lang="ko-KR" altLang="en-US" dirty="0"/>
+              <a:t>배치할 타일 변경</a:t>
+            </a:r>
+            <a:endParaRPr lang="en-US" altLang="ko-KR" dirty="0"/>
+          </a:p>
+          <a:p>
+            <a:r>
+              <a:rPr lang="en-US" altLang="ko-KR" dirty="0"/>
+              <a:t>WERSDF : </a:t>
+            </a:r>
+            <a:r>
+              <a:rPr lang="ko-KR" altLang="en-US" dirty="0"/>
+              <a:t>플레이어 이동</a:t>
+            </a:r>
+            <a:endParaRPr lang="en-US" altLang="ko-KR" dirty="0"/>
+          </a:p>
+          <a:p>
+            <a:r>
+              <a:rPr lang="en-US" altLang="ko-KR" dirty="0"/>
+              <a:t>UIOJKL : </a:t>
+            </a:r>
+            <a:r>
+              <a:rPr lang="ko-KR" altLang="en-US" dirty="0"/>
+              <a:t>플레이어 위치를 기준으로 타일 위치 지정</a:t>
+            </a:r>
+            <a:endParaRPr lang="en-US" altLang="ko-KR" dirty="0"/>
+          </a:p>
+          <a:p>
+            <a:r>
+              <a:rPr lang="en-US" altLang="ko-KR" dirty="0"/>
+              <a:t>[ , ] : </a:t>
+            </a:r>
+            <a:r>
+              <a:rPr lang="ko-KR" altLang="en-US" dirty="0"/>
+              <a:t>위치가 지정된 타일의 </a:t>
+            </a:r>
+            <a:r>
+              <a:rPr lang="en-US" altLang="ko-KR" dirty="0"/>
+              <a:t>w</a:t>
+            </a:r>
+            <a:r>
+              <a:rPr lang="ko-KR" altLang="en-US" dirty="0"/>
+              <a:t>값 변화</a:t>
+            </a:r>
+            <a:endParaRPr lang="en-US" altLang="ko-KR" dirty="0"/>
+          </a:p>
+          <a:p>
+            <a:r>
+              <a:rPr lang="en-US" altLang="ko-KR" dirty="0"/>
+              <a:t>Insert : </a:t>
+            </a:r>
+            <a:r>
+              <a:rPr lang="ko-KR" altLang="en-US" dirty="0"/>
+              <a:t>현재 지정된 타일을 맵에 배치</a:t>
+            </a:r>
+            <a:r>
+              <a:rPr lang="en-US" altLang="ko-KR" dirty="0"/>
+              <a:t>, </a:t>
+            </a:r>
+            <a:r>
+              <a:rPr lang="ko-KR" altLang="en-US" dirty="0"/>
+              <a:t>이미 존재하면 설치되지 않음</a:t>
+            </a:r>
+            <a:endParaRPr lang="en-US" altLang="ko-KR" dirty="0"/>
+          </a:p>
+          <a:p>
+            <a:r>
+              <a:rPr lang="en-US" altLang="ko-KR" dirty="0"/>
+              <a:t>Delete : </a:t>
+            </a:r>
+            <a:r>
+              <a:rPr lang="ko-KR" altLang="en-US" dirty="0"/>
+              <a:t>현재 타일이 지정된 위치의 타일을 제거</a:t>
+            </a:r>
+            <a:endParaRPr lang="en-US" altLang="ko-KR" dirty="0"/>
+          </a:p>
+          <a:p>
+            <a:endParaRPr lang="en-US" altLang="ko-KR" dirty="0"/>
+          </a:p>
+          <a:p>
+            <a:r>
+              <a:rPr lang="ko-KR" altLang="en-US" dirty="0"/>
+              <a:t>장식 배치</a:t>
+            </a:r>
+            <a:r>
+              <a:rPr lang="en-US" altLang="ko-KR" dirty="0"/>
+              <a:t> </a:t>
+            </a:r>
+            <a:r>
+              <a:rPr lang="en-US" altLang="ko-KR" sz="1600" dirty="0"/>
+              <a:t>(</a:t>
+            </a:r>
+            <a:r>
+              <a:rPr lang="ko-KR" altLang="en-US" sz="1600" dirty="0"/>
+              <a:t>장식하려는 위치에 타일이 존재해야 함</a:t>
+            </a:r>
+            <a:r>
+              <a:rPr lang="en-US" altLang="ko-KR" sz="1600" dirty="0"/>
+              <a:t>)</a:t>
+            </a:r>
+          </a:p>
+          <a:p>
+            <a:r>
+              <a:rPr lang="en-US" altLang="ko-KR" dirty="0"/>
+              <a:t>+ , - </a:t>
+            </a:r>
+            <a:r>
+              <a:rPr lang="ko-KR" altLang="en-US" dirty="0"/>
+              <a:t>배치할 장식 변경</a:t>
+            </a:r>
+            <a:endParaRPr lang="en-US" altLang="ko-KR" dirty="0"/>
+          </a:p>
+          <a:p>
+            <a:r>
+              <a:rPr lang="en-US" altLang="ko-KR" dirty="0"/>
+              <a:t>WERSDF : </a:t>
+            </a:r>
+            <a:r>
+              <a:rPr lang="ko-KR" altLang="en-US" dirty="0"/>
+              <a:t>플레이어 이동</a:t>
+            </a:r>
+            <a:endParaRPr lang="en-US" altLang="ko-KR" dirty="0"/>
+          </a:p>
+          <a:p>
+            <a:r>
+              <a:rPr lang="en-US" altLang="ko-KR" dirty="0"/>
+              <a:t>UIOJKL : </a:t>
+            </a:r>
+            <a:r>
+              <a:rPr lang="ko-KR" altLang="en-US" dirty="0"/>
+              <a:t>플레이어 위치를 기준으로 장식 위치 지정</a:t>
+            </a:r>
+            <a:endParaRPr lang="en-US" altLang="ko-KR" dirty="0"/>
+          </a:p>
+          <a:p>
+            <a:r>
+              <a:rPr lang="ko-KR" altLang="en-US" dirty="0"/>
+              <a:t>방향키 </a:t>
+            </a:r>
+            <a:r>
+              <a:rPr lang="en-US" altLang="ko-KR" dirty="0"/>
+              <a:t>: </a:t>
+            </a:r>
+            <a:r>
+              <a:rPr lang="ko-KR" altLang="en-US" dirty="0"/>
+              <a:t>장식의 세밀한 위치 조정</a:t>
+            </a:r>
+            <a:endParaRPr lang="en-US" altLang="ko-KR" dirty="0"/>
+          </a:p>
+          <a:p>
+            <a:r>
+              <a:rPr lang="en-US" altLang="ko-KR" dirty="0"/>
+              <a:t>N, M : </a:t>
+            </a:r>
+            <a:r>
+              <a:rPr lang="ko-KR" altLang="en-US" dirty="0"/>
+              <a:t>장식의 각도 조정</a:t>
+            </a:r>
+            <a:endParaRPr lang="en-US" altLang="ko-KR" dirty="0"/>
+          </a:p>
+          <a:p>
+            <a:r>
+              <a:rPr lang="en-US" altLang="ko-KR" dirty="0"/>
+              <a:t>Insert : </a:t>
+            </a:r>
+            <a:r>
+              <a:rPr lang="ko-KR" altLang="en-US" dirty="0"/>
+              <a:t>현재 지정된 장식을 맵에 배치</a:t>
+            </a:r>
+            <a:endParaRPr lang="en-US" altLang="ko-KR" dirty="0"/>
+          </a:p>
+          <a:p>
+            <a:r>
+              <a:rPr lang="en-US" altLang="ko-KR" dirty="0"/>
+              <a:t>Delete : </a:t>
+            </a:r>
+            <a:r>
+              <a:rPr lang="ko-KR" altLang="en-US" dirty="0"/>
+              <a:t>현재 지정된 위치의 타일 위의 장식을 모두 제거</a:t>
+            </a:r>
+            <a:endParaRPr lang="en-US" altLang="ko-KR" dirty="0"/>
+          </a:p>
+        </p:txBody>
+      </p:sp>
+    </p:spTree>
+    <p:extLst>
+      <p:ext uri="{BB962C8B-B14F-4D97-AF65-F5344CB8AC3E}">
+        <p14:creationId xmlns:p14="http://schemas.microsoft.com/office/powerpoint/2010/main" val="3107732109"/>
+      </p:ext>
+    </p:extLst>
+  </p:cSld>
+  <p:clrMapOvr>
+    <a:masterClrMapping/>
+  </p:clrMapOvr>
 </p:sld>
 </file>
 

--- a/BeatSlime design repo/비트슬라임 기획서 v0.3.pptx
+++ b/BeatSlime design repo/비트슬라임 기획서 v0.3.pptx
@@ -300,7 +300,7 @@
           <a:p>
             <a:fld id="{47D96AAF-40E3-4D6C-821E-65A0F5616319}" type="datetimeFigureOut">
               <a:rPr lang="ko-KR" altLang="en-US" smtClean="0"/>
-              <a:t>2022-01-03</a:t>
+              <a:t>2022-01-05</a:t>
             </a:fld>
             <a:endParaRPr lang="ko-KR" altLang="en-US"/>
           </a:p>
@@ -498,7 +498,7 @@
           <a:p>
             <a:fld id="{47D96AAF-40E3-4D6C-821E-65A0F5616319}" type="datetimeFigureOut">
               <a:rPr lang="ko-KR" altLang="en-US" smtClean="0"/>
-              <a:t>2022-01-03</a:t>
+              <a:t>2022-01-05</a:t>
             </a:fld>
             <a:endParaRPr lang="ko-KR" altLang="en-US"/>
           </a:p>
@@ -706,7 +706,7 @@
           <a:p>
             <a:fld id="{47D96AAF-40E3-4D6C-821E-65A0F5616319}" type="datetimeFigureOut">
               <a:rPr lang="ko-KR" altLang="en-US" smtClean="0"/>
-              <a:t>2022-01-03</a:t>
+              <a:t>2022-01-05</a:t>
             </a:fld>
             <a:endParaRPr lang="ko-KR" altLang="en-US"/>
           </a:p>
@@ -904,7 +904,7 @@
           <a:p>
             <a:fld id="{47D96AAF-40E3-4D6C-821E-65A0F5616319}" type="datetimeFigureOut">
               <a:rPr lang="ko-KR" altLang="en-US" smtClean="0"/>
-              <a:t>2022-01-03</a:t>
+              <a:t>2022-01-05</a:t>
             </a:fld>
             <a:endParaRPr lang="ko-KR" altLang="en-US"/>
           </a:p>
@@ -1179,7 +1179,7 @@
           <a:p>
             <a:fld id="{47D96AAF-40E3-4D6C-821E-65A0F5616319}" type="datetimeFigureOut">
               <a:rPr lang="ko-KR" altLang="en-US" smtClean="0"/>
-              <a:t>2022-01-03</a:t>
+              <a:t>2022-01-05</a:t>
             </a:fld>
             <a:endParaRPr lang="ko-KR" altLang="en-US"/>
           </a:p>
@@ -1444,7 +1444,7 @@
           <a:p>
             <a:fld id="{47D96AAF-40E3-4D6C-821E-65A0F5616319}" type="datetimeFigureOut">
               <a:rPr lang="ko-KR" altLang="en-US" smtClean="0"/>
-              <a:t>2022-01-03</a:t>
+              <a:t>2022-01-05</a:t>
             </a:fld>
             <a:endParaRPr lang="ko-KR" altLang="en-US"/>
           </a:p>
@@ -1856,7 +1856,7 @@
           <a:p>
             <a:fld id="{47D96AAF-40E3-4D6C-821E-65A0F5616319}" type="datetimeFigureOut">
               <a:rPr lang="ko-KR" altLang="en-US" smtClean="0"/>
-              <a:t>2022-01-03</a:t>
+              <a:t>2022-01-05</a:t>
             </a:fld>
             <a:endParaRPr lang="ko-KR" altLang="en-US"/>
           </a:p>
@@ -1997,7 +1997,7 @@
           <a:p>
             <a:fld id="{47D96AAF-40E3-4D6C-821E-65A0F5616319}" type="datetimeFigureOut">
               <a:rPr lang="ko-KR" altLang="en-US" smtClean="0"/>
-              <a:t>2022-01-03</a:t>
+              <a:t>2022-01-05</a:t>
             </a:fld>
             <a:endParaRPr lang="ko-KR" altLang="en-US"/>
           </a:p>
@@ -2110,7 +2110,7 @@
           <a:p>
             <a:fld id="{47D96AAF-40E3-4D6C-821E-65A0F5616319}" type="datetimeFigureOut">
               <a:rPr lang="ko-KR" altLang="en-US" smtClean="0"/>
-              <a:t>2022-01-03</a:t>
+              <a:t>2022-01-05</a:t>
             </a:fld>
             <a:endParaRPr lang="ko-KR" altLang="en-US"/>
           </a:p>
@@ -2421,7 +2421,7 @@
           <a:p>
             <a:fld id="{47D96AAF-40E3-4D6C-821E-65A0F5616319}" type="datetimeFigureOut">
               <a:rPr lang="ko-KR" altLang="en-US" smtClean="0"/>
-              <a:t>2022-01-03</a:t>
+              <a:t>2022-01-05</a:t>
             </a:fld>
             <a:endParaRPr lang="ko-KR" altLang="en-US"/>
           </a:p>
@@ -2709,7 +2709,7 @@
           <a:p>
             <a:fld id="{47D96AAF-40E3-4D6C-821E-65A0F5616319}" type="datetimeFigureOut">
               <a:rPr lang="ko-KR" altLang="en-US" smtClean="0"/>
-              <a:t>2022-01-03</a:t>
+              <a:t>2022-01-05</a:t>
             </a:fld>
             <a:endParaRPr lang="ko-KR" altLang="en-US"/>
           </a:p>
@@ -2950,7 +2950,7 @@
           <a:p>
             <a:fld id="{47D96AAF-40E3-4D6C-821E-65A0F5616319}" type="datetimeFigureOut">
               <a:rPr lang="ko-KR" altLang="en-US" smtClean="0"/>
-              <a:t>2022-01-03</a:t>
+              <a:t>2022-01-05</a:t>
             </a:fld>
             <a:endParaRPr lang="ko-KR" altLang="en-US"/>
           </a:p>
@@ -56874,7 +56874,7 @@
           <a:p>
             <a:r>
               <a:rPr lang="en-US" altLang="ko-KR" dirty="0"/>
-              <a:t>&lt;, &gt; : </a:t>
+              <a:t>Z, X : </a:t>
             </a:r>
             <a:r>
               <a:rPr lang="ko-KR" altLang="en-US" dirty="0"/>
@@ -56912,6 +56912,14 @@
             <a:endParaRPr lang="en-US" altLang="ko-KR" dirty="0"/>
           </a:p>
           <a:p>
+            <a:r>
+              <a:rPr lang="en-US" altLang="ko-KR" dirty="0"/>
+              <a:t>QA,</a:t>
+            </a:r>
+            <a:r>
+              <a:rPr lang="ko-KR" altLang="en-US" dirty="0"/>
+              <a:t> </a:t>
+            </a:r>
             <a:r>
               <a:rPr lang="en-US" altLang="ko-KR" dirty="0"/>
               <a:t>WERSDF : </a:t>
